--- a/Prezentacja_Tester_Oprogramowania_Piotr_Zaguła.pptx
+++ b/Prezentacja_Tester_Oprogramowania_Piotr_Zaguła.pptx
@@ -5,39 +5,38 @@
     <p:sldMasterId id="2147483648" r:id="rId1"/>
   </p:sldMasterIdLst>
   <p:notesMasterIdLst>
-    <p:notesMasterId r:id="rId15"/>
+    <p:notesMasterId r:id="rId14"/>
   </p:notesMasterIdLst>
   <p:sldIdLst>
-    <p:sldId id="256" r:id="rId2"/>
-    <p:sldId id="257" r:id="rId3"/>
-    <p:sldId id="258" r:id="rId4"/>
-    <p:sldId id="266" r:id="rId5"/>
-    <p:sldId id="268" r:id="rId6"/>
-    <p:sldId id="259" r:id="rId7"/>
-    <p:sldId id="260" r:id="rId8"/>
-    <p:sldId id="261" r:id="rId9"/>
-    <p:sldId id="262" r:id="rId10"/>
-    <p:sldId id="263" r:id="rId11"/>
-    <p:sldId id="269" r:id="rId12"/>
-    <p:sldId id="270" r:id="rId13"/>
-    <p:sldId id="271" r:id="rId14"/>
+    <p:sldId id="257" r:id="rId2"/>
+    <p:sldId id="258" r:id="rId3"/>
+    <p:sldId id="266" r:id="rId4"/>
+    <p:sldId id="268" r:id="rId5"/>
+    <p:sldId id="259" r:id="rId6"/>
+    <p:sldId id="260" r:id="rId7"/>
+    <p:sldId id="261" r:id="rId8"/>
+    <p:sldId id="262" r:id="rId9"/>
+    <p:sldId id="263" r:id="rId10"/>
+    <p:sldId id="269" r:id="rId11"/>
+    <p:sldId id="270" r:id="rId12"/>
+    <p:sldId id="271" r:id="rId13"/>
   </p:sldIdLst>
   <p:sldSz cx="12192000" cy="6858000"/>
   <p:notesSz cx="6858000" cy="9144000"/>
   <p:embeddedFontLst>
     <p:embeddedFont>
       <p:font typeface="Calibri" panose="020F0502020204030204" pitchFamily="34" charset="0"/>
-      <p:regular r:id="rId16"/>
-      <p:bold r:id="rId17"/>
-      <p:italic r:id="rId18"/>
-      <p:boldItalic r:id="rId19"/>
+      <p:regular r:id="rId15"/>
+      <p:bold r:id="rId16"/>
+      <p:italic r:id="rId17"/>
+      <p:boldItalic r:id="rId18"/>
     </p:embeddedFont>
     <p:embeddedFont>
       <p:font typeface="Poppins" panose="00000500000000000000" pitchFamily="2" charset="-18"/>
-      <p:regular r:id="rId20"/>
-      <p:bold r:id="rId21"/>
-      <p:italic r:id="rId22"/>
-      <p:boldItalic r:id="rId23"/>
+      <p:regular r:id="rId19"/>
+      <p:bold r:id="rId20"/>
+      <p:italic r:id="rId21"/>
+      <p:boldItalic r:id="rId22"/>
     </p:embeddedFont>
   </p:embeddedFontLst>
   <p:defaultTextStyle>
@@ -270,8 +269,11 @@
     </a:lvl9pPr>
   </p:defaultTextStyle>
   <p:extLst>
+    <p:ext uri="{EFAFB233-063F-42B5-8137-9DF3F51BA10A}">
+      <p15:sldGuideLst xmlns:p15="http://schemas.microsoft.com/office/powerpoint/2012/main"/>
+    </p:ext>
     <p:ext uri="http://customooxmlschemas.google.com/">
-      <go:slidesCustomData xmlns:go="http://customooxmlschemas.google.com/" xmlns:ahyp="http://schemas.microsoft.com/office/drawing/2018/hyperlinkcolor" xmlns:p15="http://schemas.microsoft.com/office/powerpoint/2012/main" xmlns:p14="http://schemas.microsoft.com/office/powerpoint/2010/main" xmlns:com="http://schemas.openxmlformats.org/drawingml/2006/compatibility" xmlns:pvml="urn:schemas-microsoft-com:office:powerpoint" xmlns:v="urn:schemas-microsoft-com:vml" xmlns:o="urn:schemas-microsoft-com:office:office" xmlns:dgm="http://schemas.openxmlformats.org/drawingml/2006/diagram" xmlns:c="http://schemas.openxmlformats.org/drawingml/2006/chart" xmlns:mv="urn:schemas-microsoft-com:mac:vml" xmlns:mc="http://schemas.openxmlformats.org/markup-compatibility/2006" xmlns="" r:id="rId24" roundtripDataSignature="AMtx7miXMjpKdOZMbqgcJFAryASTqGq7bA=="/>
+      <go:slidesCustomData xmlns="" xmlns:mc="http://schemas.openxmlformats.org/markup-compatibility/2006" xmlns:mv="urn:schemas-microsoft-com:mac:vml" xmlns:c="http://schemas.openxmlformats.org/drawingml/2006/chart" xmlns:dgm="http://schemas.openxmlformats.org/drawingml/2006/diagram" xmlns:o="urn:schemas-microsoft-com:office:office" xmlns:v="urn:schemas-microsoft-com:vml" xmlns:pvml="urn:schemas-microsoft-com:office:powerpoint" xmlns:com="http://schemas.openxmlformats.org/drawingml/2006/compatibility" xmlns:p14="http://schemas.microsoft.com/office/powerpoint/2010/main" xmlns:p15="http://schemas.microsoft.com/office/powerpoint/2012/main" xmlns:ahyp="http://schemas.microsoft.com/office/drawing/2018/hyperlinkcolor" xmlns:go="http://customooxmlschemas.google.com/" r:id="rId24" roundtripDataSignature="AMtx7miXMjpKdOZMbqgcJFAryASTqGq7bA=="/>
     </p:ext>
   </p:extLst>
 </p:presentation>
@@ -861,7 +863,7 @@
   <p:cSld>
     <p:spTree>
       <p:nvGrpSpPr>
-        <p:cNvPr id="1" name="Shape 65"/>
+        <p:cNvPr id="1" name="Shape 71"/>
         <p:cNvGrpSpPr/>
         <p:nvPr/>
       </p:nvGrpSpPr>
@@ -875,7 +877,7 @@
       </p:grpSpPr>
       <p:sp>
         <p:nvSpPr>
-          <p:cNvPr id="66" name="Google Shape;66;p1:notes"/>
+          <p:cNvPr id="72" name="Google Shape;72;p2:notes"/>
           <p:cNvSpPr txBox="1">
             <a:spLocks noGrp="1"/>
           </p:cNvSpPr>
@@ -921,7 +923,7 @@
       </p:sp>
       <p:sp>
         <p:nvSpPr>
-          <p:cNvPr id="67" name="Google Shape;67;p1:notes"/>
+          <p:cNvPr id="73" name="Google Shape;73;p2:notes"/>
           <p:cNvSpPr>
             <a:spLocks noGrp="1" noRot="1" noChangeAspect="1"/>
           </p:cNvSpPr>
@@ -979,128 +981,6 @@
 </file>
 
 <file path=ppt/notesSlides/notesSlide10.xml><?xml version="1.0" encoding="utf-8"?>
-<p:notes xmlns:a="http://schemas.openxmlformats.org/drawingml/2006/main" xmlns:r="http://schemas.openxmlformats.org/officeDocument/2006/relationships" xmlns:p="http://schemas.openxmlformats.org/presentationml/2006/main" showMasterSp="0" showMasterPhAnim="0">
-  <p:cSld>
-    <p:spTree>
-      <p:nvGrpSpPr>
-        <p:cNvPr id="1" name="Shape 108"/>
-        <p:cNvGrpSpPr/>
-        <p:nvPr/>
-      </p:nvGrpSpPr>
-      <p:grpSpPr>
-        <a:xfrm>
-          <a:off x="0" y="0"/>
-          <a:ext cx="0" cy="0"/>
-          <a:chOff x="0" y="0"/>
-          <a:chExt cx="0" cy="0"/>
-        </a:xfrm>
-      </p:grpSpPr>
-      <p:sp>
-        <p:nvSpPr>
-          <p:cNvPr id="109" name="Google Shape;109;p8:notes"/>
-          <p:cNvSpPr txBox="1">
-            <a:spLocks noGrp="1"/>
-          </p:cNvSpPr>
-          <p:nvPr>
-            <p:ph type="body" idx="1"/>
-          </p:nvPr>
-        </p:nvSpPr>
-        <p:spPr>
-          <a:xfrm>
-            <a:off x="685800" y="4343400"/>
-            <a:ext cx="5486400" cy="4114800"/>
-          </a:xfrm>
-          <a:prstGeom prst="rect">
-            <a:avLst/>
-          </a:prstGeom>
-          <a:noFill/>
-          <a:ln>
-            <a:noFill/>
-          </a:ln>
-        </p:spPr>
-        <p:txBody>
-          <a:bodyPr spcFirstLastPara="1" wrap="square" lIns="91425" tIns="91425" rIns="91425" bIns="91425" anchor="t" anchorCtr="0">
-            <a:noAutofit/>
-          </a:bodyPr>
-          <a:lstStyle/>
-          <a:p>
-            <a:pPr marL="0" lvl="0" indent="0" algn="l" rtl="0">
-              <a:lnSpc>
-                <a:spcPct val="100000"/>
-              </a:lnSpc>
-              <a:spcBef>
-                <a:spcPts val="0"/>
-              </a:spcBef>
-              <a:spcAft>
-                <a:spcPts val="0"/>
-              </a:spcAft>
-              <a:buSzPts val="1100"/>
-              <a:buNone/>
-            </a:pPr>
-            <a:endParaRPr/>
-          </a:p>
-        </p:txBody>
-      </p:sp>
-      <p:sp>
-        <p:nvSpPr>
-          <p:cNvPr id="110" name="Google Shape;110;p8:notes"/>
-          <p:cNvSpPr>
-            <a:spLocks noGrp="1" noRot="1" noChangeAspect="1"/>
-          </p:cNvSpPr>
-          <p:nvPr>
-            <p:ph type="sldImg" idx="2"/>
-          </p:nvPr>
-        </p:nvSpPr>
-        <p:spPr>
-          <a:xfrm>
-            <a:off x="381000" y="685800"/>
-            <a:ext cx="6096000" cy="3429000"/>
-          </a:xfrm>
-          <a:custGeom>
-            <a:avLst/>
-            <a:gdLst/>
-            <a:ahLst/>
-            <a:cxnLst/>
-            <a:rect l="l" t="t" r="r" b="b"/>
-            <a:pathLst>
-              <a:path w="120000" h="120000" extrusionOk="0">
-                <a:moveTo>
-                  <a:pt x="0" y="0"/>
-                </a:moveTo>
-                <a:lnTo>
-                  <a:pt x="120000" y="0"/>
-                </a:lnTo>
-                <a:lnTo>
-                  <a:pt x="120000" y="120000"/>
-                </a:lnTo>
-                <a:lnTo>
-                  <a:pt x="0" y="120000"/>
-                </a:lnTo>
-                <a:close/>
-              </a:path>
-            </a:pathLst>
-          </a:custGeom>
-          <a:noFill/>
-          <a:ln w="9525" cap="flat" cmpd="sng">
-            <a:solidFill>
-              <a:srgbClr val="000000"/>
-            </a:solidFill>
-            <a:prstDash val="solid"/>
-            <a:round/>
-            <a:headEnd type="none" w="sm" len="sm"/>
-            <a:tailEnd type="none" w="sm" len="sm"/>
-          </a:ln>
-        </p:spPr>
-      </p:sp>
-    </p:spTree>
-  </p:cSld>
-  <p:clrMapOvr>
-    <a:masterClrMapping/>
-  </p:clrMapOvr>
-</p:notes>
-</file>
-
-<file path=ppt/notesSlides/notesSlide11.xml><?xml version="1.0" encoding="utf-8"?>
 <p:notes xmlns:a="http://schemas.openxmlformats.org/drawingml/2006/main" xmlns:r="http://schemas.openxmlformats.org/officeDocument/2006/relationships" xmlns:p="http://schemas.openxmlformats.org/presentationml/2006/main" showMasterSp="0" showMasterPhAnim="0">
   <p:cSld>
     <p:spTree>
@@ -1227,7 +1107,7 @@
 </p:notes>
 </file>
 
-<file path=ppt/notesSlides/notesSlide12.xml><?xml version="1.0" encoding="utf-8"?>
+<file path=ppt/notesSlides/notesSlide11.xml><?xml version="1.0" encoding="utf-8"?>
 <p:notes xmlns:a="http://schemas.openxmlformats.org/drawingml/2006/main" xmlns:r="http://schemas.openxmlformats.org/officeDocument/2006/relationships" xmlns:p="http://schemas.openxmlformats.org/presentationml/2006/main" showMasterSp="0" showMasterPhAnim="0">
   <p:cSld>
     <p:spTree>
@@ -1354,7 +1234,7 @@
 </p:notes>
 </file>
 
-<file path=ppt/notesSlides/notesSlide13.xml><?xml version="1.0" encoding="utf-8"?>
+<file path=ppt/notesSlides/notesSlide12.xml><?xml version="1.0" encoding="utf-8"?>
 <p:notes xmlns:a="http://schemas.openxmlformats.org/drawingml/2006/main" xmlns:r="http://schemas.openxmlformats.org/officeDocument/2006/relationships" xmlns:p="http://schemas.openxmlformats.org/presentationml/2006/main" showMasterSp="0" showMasterPhAnim="0">
   <p:cSld>
     <p:spTree>
@@ -1486,7 +1366,7 @@
   <p:cSld>
     <p:spTree>
       <p:nvGrpSpPr>
-        <p:cNvPr id="1" name="Shape 71"/>
+        <p:cNvPr id="1" name="Shape 77"/>
         <p:cNvGrpSpPr/>
         <p:nvPr/>
       </p:nvGrpSpPr>
@@ -1500,7 +1380,7 @@
       </p:grpSpPr>
       <p:sp>
         <p:nvSpPr>
-          <p:cNvPr id="72" name="Google Shape;72;p2:notes"/>
+          <p:cNvPr id="78" name="Google Shape;78;p3:notes"/>
           <p:cNvSpPr txBox="1">
             <a:spLocks noGrp="1"/>
           </p:cNvSpPr>
@@ -1546,7 +1426,7 @@
       </p:sp>
       <p:sp>
         <p:nvSpPr>
-          <p:cNvPr id="73" name="Google Shape;73;p2:notes"/>
+          <p:cNvPr id="79" name="Google Shape;79;p3:notes"/>
           <p:cNvSpPr>
             <a:spLocks noGrp="1" noRot="1" noChangeAspect="1"/>
           </p:cNvSpPr>
@@ -1718,128 +1598,6 @@
         </p:spPr>
       </p:sp>
     </p:spTree>
-  </p:cSld>
-  <p:clrMapOvr>
-    <a:masterClrMapping/>
-  </p:clrMapOvr>
-</p:notes>
-</file>
-
-<file path=ppt/notesSlides/notesSlide4.xml><?xml version="1.0" encoding="utf-8"?>
-<p:notes xmlns:a="http://schemas.openxmlformats.org/drawingml/2006/main" xmlns:r="http://schemas.openxmlformats.org/officeDocument/2006/relationships" xmlns:p="http://schemas.openxmlformats.org/presentationml/2006/main" showMasterSp="0" showMasterPhAnim="0">
-  <p:cSld>
-    <p:spTree>
-      <p:nvGrpSpPr>
-        <p:cNvPr id="1" name="Shape 77"/>
-        <p:cNvGrpSpPr/>
-        <p:nvPr/>
-      </p:nvGrpSpPr>
-      <p:grpSpPr>
-        <a:xfrm>
-          <a:off x="0" y="0"/>
-          <a:ext cx="0" cy="0"/>
-          <a:chOff x="0" y="0"/>
-          <a:chExt cx="0" cy="0"/>
-        </a:xfrm>
-      </p:grpSpPr>
-      <p:sp>
-        <p:nvSpPr>
-          <p:cNvPr id="78" name="Google Shape;78;p3:notes"/>
-          <p:cNvSpPr txBox="1">
-            <a:spLocks noGrp="1"/>
-          </p:cNvSpPr>
-          <p:nvPr>
-            <p:ph type="body" idx="1"/>
-          </p:nvPr>
-        </p:nvSpPr>
-        <p:spPr>
-          <a:xfrm>
-            <a:off x="685800" y="4343400"/>
-            <a:ext cx="5486400" cy="4114800"/>
-          </a:xfrm>
-          <a:prstGeom prst="rect">
-            <a:avLst/>
-          </a:prstGeom>
-          <a:noFill/>
-          <a:ln>
-            <a:noFill/>
-          </a:ln>
-        </p:spPr>
-        <p:txBody>
-          <a:bodyPr spcFirstLastPara="1" wrap="square" lIns="91425" tIns="91425" rIns="91425" bIns="91425" anchor="t" anchorCtr="0">
-            <a:noAutofit/>
-          </a:bodyPr>
-          <a:lstStyle/>
-          <a:p>
-            <a:pPr marL="0" lvl="0" indent="0" algn="l" rtl="0">
-              <a:lnSpc>
-                <a:spcPct val="100000"/>
-              </a:lnSpc>
-              <a:spcBef>
-                <a:spcPts val="0"/>
-              </a:spcBef>
-              <a:spcAft>
-                <a:spcPts val="0"/>
-              </a:spcAft>
-              <a:buSzPts val="1100"/>
-              <a:buNone/>
-            </a:pPr>
-            <a:endParaRPr/>
-          </a:p>
-        </p:txBody>
-      </p:sp>
-      <p:sp>
-        <p:nvSpPr>
-          <p:cNvPr id="79" name="Google Shape;79;p3:notes"/>
-          <p:cNvSpPr>
-            <a:spLocks noGrp="1" noRot="1" noChangeAspect="1"/>
-          </p:cNvSpPr>
-          <p:nvPr>
-            <p:ph type="sldImg" idx="2"/>
-          </p:nvPr>
-        </p:nvSpPr>
-        <p:spPr>
-          <a:xfrm>
-            <a:off x="381000" y="685800"/>
-            <a:ext cx="6096000" cy="3429000"/>
-          </a:xfrm>
-          <a:custGeom>
-            <a:avLst/>
-            <a:gdLst/>
-            <a:ahLst/>
-            <a:cxnLst/>
-            <a:rect l="l" t="t" r="r" b="b"/>
-            <a:pathLst>
-              <a:path w="120000" h="120000" extrusionOk="0">
-                <a:moveTo>
-                  <a:pt x="0" y="0"/>
-                </a:moveTo>
-                <a:lnTo>
-                  <a:pt x="120000" y="0"/>
-                </a:lnTo>
-                <a:lnTo>
-                  <a:pt x="120000" y="120000"/>
-                </a:lnTo>
-                <a:lnTo>
-                  <a:pt x="0" y="120000"/>
-                </a:lnTo>
-                <a:close/>
-              </a:path>
-            </a:pathLst>
-          </a:custGeom>
-          <a:noFill/>
-          <a:ln w="9525" cap="flat" cmpd="sng">
-            <a:solidFill>
-              <a:srgbClr val="000000"/>
-            </a:solidFill>
-            <a:prstDash val="solid"/>
-            <a:round/>
-            <a:headEnd type="none" w="sm" len="sm"/>
-            <a:tailEnd type="none" w="sm" len="sm"/>
-          </a:ln>
-        </p:spPr>
-      </p:sp>
-    </p:spTree>
     <p:extLst>
       <p:ext uri="{BB962C8B-B14F-4D97-AF65-F5344CB8AC3E}">
         <p14:creationId xmlns:p14="http://schemas.microsoft.com/office/powerpoint/2010/main" val="3593914225"/>
@@ -1852,7 +1610,7 @@
 </p:notes>
 </file>
 
-<file path=ppt/notesSlides/notesSlide5.xml><?xml version="1.0" encoding="utf-8"?>
+<file path=ppt/notesSlides/notesSlide4.xml><?xml version="1.0" encoding="utf-8"?>
 <p:notes xmlns:a="http://schemas.openxmlformats.org/drawingml/2006/main" xmlns:r="http://schemas.openxmlformats.org/officeDocument/2006/relationships" xmlns:p="http://schemas.openxmlformats.org/presentationml/2006/main" showMasterSp="0" showMasterPhAnim="0">
   <p:cSld>
     <p:spTree>
@@ -1979,7 +1737,7 @@
 </p:notes>
 </file>
 
-<file path=ppt/notesSlides/notesSlide6.xml><?xml version="1.0" encoding="utf-8"?>
+<file path=ppt/notesSlides/notesSlide5.xml><?xml version="1.0" encoding="utf-8"?>
 <p:notes xmlns:a="http://schemas.openxmlformats.org/drawingml/2006/main" xmlns:r="http://schemas.openxmlformats.org/officeDocument/2006/relationships" xmlns:p="http://schemas.openxmlformats.org/presentationml/2006/main" showMasterSp="0" showMasterPhAnim="0">
   <p:cSld>
     <p:spTree>
@@ -2101,7 +1859,7 @@
 </p:notes>
 </file>
 
-<file path=ppt/notesSlides/notesSlide7.xml><?xml version="1.0" encoding="utf-8"?>
+<file path=ppt/notesSlides/notesSlide6.xml><?xml version="1.0" encoding="utf-8"?>
 <p:notes xmlns:a="http://schemas.openxmlformats.org/drawingml/2006/main" xmlns:r="http://schemas.openxmlformats.org/officeDocument/2006/relationships" xmlns:p="http://schemas.openxmlformats.org/presentationml/2006/main" showMasterSp="0" showMasterPhAnim="0">
   <p:cSld>
     <p:spTree>
@@ -2223,7 +1981,7 @@
 </p:notes>
 </file>
 
-<file path=ppt/notesSlides/notesSlide8.xml><?xml version="1.0" encoding="utf-8"?>
+<file path=ppt/notesSlides/notesSlide7.xml><?xml version="1.0" encoding="utf-8"?>
 <p:notes xmlns:a="http://schemas.openxmlformats.org/drawingml/2006/main" xmlns:r="http://schemas.openxmlformats.org/officeDocument/2006/relationships" xmlns:p="http://schemas.openxmlformats.org/presentationml/2006/main" showMasterSp="0" showMasterPhAnim="0">
   <p:cSld>
     <p:spTree>
@@ -2345,7 +2103,7 @@
 </p:notes>
 </file>
 
-<file path=ppt/notesSlides/notesSlide9.xml><?xml version="1.0" encoding="utf-8"?>
+<file path=ppt/notesSlides/notesSlide8.xml><?xml version="1.0" encoding="utf-8"?>
 <p:notes xmlns:a="http://schemas.openxmlformats.org/drawingml/2006/main" xmlns:r="http://schemas.openxmlformats.org/officeDocument/2006/relationships" xmlns:p="http://schemas.openxmlformats.org/presentationml/2006/main" showMasterSp="0" showMasterPhAnim="0">
   <p:cSld>
     <p:spTree>
@@ -2411,6 +2169,128 @@
       <p:sp>
         <p:nvSpPr>
           <p:cNvPr id="103" name="Google Shape;103;p7:notes"/>
+          <p:cNvSpPr>
+            <a:spLocks noGrp="1" noRot="1" noChangeAspect="1"/>
+          </p:cNvSpPr>
+          <p:nvPr>
+            <p:ph type="sldImg" idx="2"/>
+          </p:nvPr>
+        </p:nvSpPr>
+        <p:spPr>
+          <a:xfrm>
+            <a:off x="381000" y="685800"/>
+            <a:ext cx="6096000" cy="3429000"/>
+          </a:xfrm>
+          <a:custGeom>
+            <a:avLst/>
+            <a:gdLst/>
+            <a:ahLst/>
+            <a:cxnLst/>
+            <a:rect l="l" t="t" r="r" b="b"/>
+            <a:pathLst>
+              <a:path w="120000" h="120000" extrusionOk="0">
+                <a:moveTo>
+                  <a:pt x="0" y="0"/>
+                </a:moveTo>
+                <a:lnTo>
+                  <a:pt x="120000" y="0"/>
+                </a:lnTo>
+                <a:lnTo>
+                  <a:pt x="120000" y="120000"/>
+                </a:lnTo>
+                <a:lnTo>
+                  <a:pt x="0" y="120000"/>
+                </a:lnTo>
+                <a:close/>
+              </a:path>
+            </a:pathLst>
+          </a:custGeom>
+          <a:noFill/>
+          <a:ln w="9525" cap="flat" cmpd="sng">
+            <a:solidFill>
+              <a:srgbClr val="000000"/>
+            </a:solidFill>
+            <a:prstDash val="solid"/>
+            <a:round/>
+            <a:headEnd type="none" w="sm" len="sm"/>
+            <a:tailEnd type="none" w="sm" len="sm"/>
+          </a:ln>
+        </p:spPr>
+      </p:sp>
+    </p:spTree>
+  </p:cSld>
+  <p:clrMapOvr>
+    <a:masterClrMapping/>
+  </p:clrMapOvr>
+</p:notes>
+</file>
+
+<file path=ppt/notesSlides/notesSlide9.xml><?xml version="1.0" encoding="utf-8"?>
+<p:notes xmlns:a="http://schemas.openxmlformats.org/drawingml/2006/main" xmlns:r="http://schemas.openxmlformats.org/officeDocument/2006/relationships" xmlns:p="http://schemas.openxmlformats.org/presentationml/2006/main" showMasterSp="0" showMasterPhAnim="0">
+  <p:cSld>
+    <p:spTree>
+      <p:nvGrpSpPr>
+        <p:cNvPr id="1" name="Shape 108"/>
+        <p:cNvGrpSpPr/>
+        <p:nvPr/>
+      </p:nvGrpSpPr>
+      <p:grpSpPr>
+        <a:xfrm>
+          <a:off x="0" y="0"/>
+          <a:ext cx="0" cy="0"/>
+          <a:chOff x="0" y="0"/>
+          <a:chExt cx="0" cy="0"/>
+        </a:xfrm>
+      </p:grpSpPr>
+      <p:sp>
+        <p:nvSpPr>
+          <p:cNvPr id="109" name="Google Shape;109;p8:notes"/>
+          <p:cNvSpPr txBox="1">
+            <a:spLocks noGrp="1"/>
+          </p:cNvSpPr>
+          <p:nvPr>
+            <p:ph type="body" idx="1"/>
+          </p:nvPr>
+        </p:nvSpPr>
+        <p:spPr>
+          <a:xfrm>
+            <a:off x="685800" y="4343400"/>
+            <a:ext cx="5486400" cy="4114800"/>
+          </a:xfrm>
+          <a:prstGeom prst="rect">
+            <a:avLst/>
+          </a:prstGeom>
+          <a:noFill/>
+          <a:ln>
+            <a:noFill/>
+          </a:ln>
+        </p:spPr>
+        <p:txBody>
+          <a:bodyPr spcFirstLastPara="1" wrap="square" lIns="91425" tIns="91425" rIns="91425" bIns="91425" anchor="t" anchorCtr="0">
+            <a:noAutofit/>
+          </a:bodyPr>
+          <a:lstStyle/>
+          <a:p>
+            <a:pPr marL="0" lvl="0" indent="0" algn="l" rtl="0">
+              <a:lnSpc>
+                <a:spcPct val="100000"/>
+              </a:lnSpc>
+              <a:spcBef>
+                <a:spcPts val="0"/>
+              </a:spcBef>
+              <a:spcAft>
+                <a:spcPts val="0"/>
+              </a:spcAft>
+              <a:buSzPts val="1100"/>
+              <a:buNone/>
+            </a:pPr>
+            <a:endParaRPr/>
+          </a:p>
+        </p:txBody>
+      </p:sp>
+      <p:sp>
+        <p:nvSpPr>
+          <p:cNvPr id="110" name="Google Shape;110;p8:notes"/>
           <p:cNvSpPr>
             <a:spLocks noGrp="1" noRot="1" noChangeAspect="1"/>
           </p:cNvSpPr>
@@ -8614,7 +8494,7 @@
   <p:cSld>
     <p:spTree>
       <p:nvGrpSpPr>
-        <p:cNvPr id="1" name="Shape 68"/>
+        <p:cNvPr id="1" name="Shape 74"/>
         <p:cNvGrpSpPr/>
         <p:nvPr/>
       </p:nvGrpSpPr>
@@ -8628,18 +8508,18 @@
       </p:grpSpPr>
       <p:sp>
         <p:nvSpPr>
-          <p:cNvPr id="69" name="Google Shape;69;p1"/>
+          <p:cNvPr id="75" name="Google Shape;75;p2"/>
           <p:cNvSpPr txBox="1">
             <a:spLocks noGrp="1"/>
           </p:cNvSpPr>
           <p:nvPr>
-            <p:ph type="title"/>
+            <p:ph type="ctrTitle"/>
           </p:nvPr>
         </p:nvSpPr>
         <p:spPr>
           <a:xfrm>
-            <a:off x="838200" y="365125"/>
-            <a:ext cx="9957822" cy="1325563"/>
+            <a:off x="388883" y="1041400"/>
+            <a:ext cx="6950639" cy="2387600"/>
           </a:xfrm>
           <a:prstGeom prst="rect">
             <a:avLst/>
@@ -8650,12 +8530,12 @@
           </a:ln>
         </p:spPr>
         <p:txBody>
-          <a:bodyPr spcFirstLastPara="1" wrap="square" lIns="91425" tIns="45700" rIns="91425" bIns="45700" anchor="ctr" anchorCtr="0">
+          <a:bodyPr spcFirstLastPara="1" wrap="square" lIns="91425" tIns="45700" rIns="91425" bIns="45700" anchor="b" anchorCtr="0">
             <a:normAutofit/>
           </a:bodyPr>
           <a:lstStyle/>
           <a:p>
-            <a:pPr marL="0" lvl="0" indent="0" algn="l" rtl="0">
+            <a:pPr marL="0" lvl="0" indent="0" algn="ctr" rtl="0">
               <a:lnSpc>
                 <a:spcPct val="90000"/>
               </a:lnSpc>
@@ -8668,31 +8548,42 @@
               <a:buClr>
                 <a:schemeClr val="dk1"/>
               </a:buClr>
-              <a:buSzPts val="1800"/>
+              <a:buSzPts val="6000"/>
+              <a:buFont typeface="Calibri"/>
               <a:buNone/>
             </a:pPr>
             <a:r>
-              <a:rPr lang="en-US"/>
-              <a:t>Dla kursanta</a:t>
+              <a:rPr lang="en-US" sz="5000">
+                <a:latin typeface="Poppins"/>
+                <a:ea typeface="Poppins"/>
+                <a:cs typeface="Poppins"/>
+                <a:sym typeface="Poppins"/>
+              </a:rPr>
+              <a:t>Projekt Końcowy</a:t>
             </a:r>
-            <a:endParaRPr/>
+            <a:endParaRPr sz="5000">
+              <a:latin typeface="Poppins"/>
+              <a:ea typeface="Poppins"/>
+              <a:cs typeface="Poppins"/>
+              <a:sym typeface="Poppins"/>
+            </a:endParaRPr>
           </a:p>
         </p:txBody>
       </p:sp>
       <p:sp>
         <p:nvSpPr>
-          <p:cNvPr id="70" name="Google Shape;70;p1"/>
+          <p:cNvPr id="76" name="Google Shape;76;p2"/>
           <p:cNvSpPr txBox="1">
             <a:spLocks noGrp="1"/>
           </p:cNvSpPr>
           <p:nvPr>
-            <p:ph type="body" idx="1"/>
+            <p:ph type="subTitle" idx="1"/>
           </p:nvPr>
         </p:nvSpPr>
         <p:spPr>
           <a:xfrm>
-            <a:off x="838200" y="1825625"/>
-            <a:ext cx="9957822" cy="4351338"/>
+            <a:off x="388883" y="3496355"/>
+            <a:ext cx="6950639" cy="1655762"/>
           </a:xfrm>
           <a:prstGeom prst="rect">
             <a:avLst/>
@@ -8704,11 +8595,11 @@
         </p:spPr>
         <p:txBody>
           <a:bodyPr spcFirstLastPara="1" wrap="square" lIns="91425" tIns="45700" rIns="91425" bIns="45700" anchor="t" anchorCtr="0">
-            <a:normAutofit/>
+            <a:normAutofit fontScale="92500" lnSpcReduction="10000"/>
           </a:bodyPr>
           <a:lstStyle/>
           <a:p>
-            <a:pPr marL="571500" lvl="0" indent="-342900" algn="l" rtl="0">
+            <a:pPr marL="457200" lvl="0" indent="-406400" algn="ctr" rtl="0">
               <a:lnSpc>
                 <a:spcPct val="90000"/>
               </a:lnSpc>
@@ -8718,20 +8609,40 @@
               <a:spcAft>
                 <a:spcPts val="0"/>
               </a:spcAft>
-              <a:buSzPts val="1800"/>
-              <a:buFont typeface="Poppins"/>
-              <a:buChar char="•"/>
+              <a:buClr>
+                <a:schemeClr val="dk1"/>
+              </a:buClr>
+              <a:buSzPct val="108108"/>
+              <a:buNone/>
             </a:pPr>
             <a:r>
-              <a:rPr lang="en-US">
+              <a:rPr lang="pl-PL" dirty="0">
                 <a:latin typeface="Poppins"/>
                 <a:ea typeface="Poppins"/>
                 <a:cs typeface="Poppins"/>
                 <a:sym typeface="Poppins"/>
               </a:rPr>
-              <a:t>Przed rozpoczęciem obrony prześlij wypełnioną prezentację do trenera.</a:t>
+              <a:t>Piotr </a:t>
             </a:r>
-            <a:endParaRPr>
+            <a:r>
+              <a:rPr lang="pl-PL" dirty="0" err="1">
+                <a:latin typeface="Poppins"/>
+                <a:ea typeface="Poppins"/>
+                <a:cs typeface="Poppins"/>
+                <a:sym typeface="Poppins"/>
+              </a:rPr>
+              <a:t>Zaguła</a:t>
+            </a:r>
+            <a:r>
+              <a:rPr lang="en-US" dirty="0">
+                <a:latin typeface="Poppins"/>
+                <a:ea typeface="Poppins"/>
+                <a:cs typeface="Poppins"/>
+                <a:sym typeface="Poppins"/>
+              </a:rPr>
+              <a:t> </a:t>
+            </a:r>
+            <a:endParaRPr dirty="0">
               <a:latin typeface="Poppins"/>
               <a:ea typeface="Poppins"/>
               <a:cs typeface="Poppins"/>
@@ -8739,7 +8650,7 @@
             </a:endParaRPr>
           </a:p>
           <a:p>
-            <a:pPr marL="571500" lvl="0" indent="-342900" algn="l" rtl="0">
+            <a:pPr marL="457200" lvl="0" indent="-406400" algn="ctr" rtl="0">
               <a:lnSpc>
                 <a:spcPct val="90000"/>
               </a:lnSpc>
@@ -8749,28 +8660,24 @@
               <a:spcAft>
                 <a:spcPts val="0"/>
               </a:spcAft>
-              <a:buSzPts val="1800"/>
-              <a:buFont typeface="Poppins"/>
-              <a:buChar char="•"/>
+              <a:buClr>
+                <a:schemeClr val="dk1"/>
+              </a:buClr>
+              <a:buSzPct val="108108"/>
+              <a:buNone/>
             </a:pPr>
             <a:r>
-              <a:rPr lang="en-US">
+              <a:rPr lang="en-US" dirty="0">
                 <a:latin typeface="Poppins"/>
                 <a:ea typeface="Poppins"/>
                 <a:cs typeface="Poppins"/>
                 <a:sym typeface="Poppins"/>
               </a:rPr>
-              <a:t>Dostarcz wszystkie wytworzone artefakty (testy, kod) np. w postaci PDF lub adresu na Githubie/Gitlabie.</a:t>
+              <a:t>ZDTESTpol92</a:t>
             </a:r>
-            <a:endParaRPr>
-              <a:latin typeface="Poppins"/>
-              <a:ea typeface="Poppins"/>
-              <a:cs typeface="Poppins"/>
-              <a:sym typeface="Poppins"/>
-            </a:endParaRPr>
           </a:p>
           <a:p>
-            <a:pPr marL="571500" lvl="0" indent="-342900" algn="l" rtl="0">
+            <a:pPr marL="457200" lvl="0" indent="-406400" algn="ctr" rtl="0">
               <a:lnSpc>
                 <a:spcPct val="90000"/>
               </a:lnSpc>
@@ -8780,51 +8687,48 @@
               <a:spcAft>
                 <a:spcPts val="0"/>
               </a:spcAft>
-              <a:buSzPts val="1800"/>
-              <a:buFont typeface="Poppins"/>
-              <a:buChar char="•"/>
+              <a:buClr>
+                <a:schemeClr val="dk1"/>
+              </a:buClr>
+              <a:buSzPct val="108108"/>
+              <a:buNone/>
             </a:pPr>
             <a:r>
-              <a:rPr lang="en-US">
+              <a:rPr lang="pl-PL" dirty="0">
                 <a:latin typeface="Poppins"/>
                 <a:ea typeface="Poppins"/>
                 <a:cs typeface="Poppins"/>
                 <a:sym typeface="Poppins"/>
               </a:rPr>
-              <a:t>Zapewnij dostępy do narzędzi z których korzystałeś (np. Test Rail lub JIRA), tak aby trener mógł zweryfikować twoją pracę i ją ocenić.</a:t>
+              <a:t>Testy aplikacji </a:t>
             </a:r>
-            <a:endParaRPr>
-              <a:latin typeface="Poppins"/>
-              <a:ea typeface="Poppins"/>
-              <a:cs typeface="Poppins"/>
-              <a:sym typeface="Poppins"/>
-            </a:endParaRPr>
-          </a:p>
-          <a:p>
-            <a:pPr marL="571500" lvl="0" indent="-342900" algn="l" rtl="0">
-              <a:lnSpc>
-                <a:spcPct val="90000"/>
-              </a:lnSpc>
-              <a:spcBef>
-                <a:spcPts val="1000"/>
-              </a:spcBef>
-              <a:spcAft>
-                <a:spcPts val="0"/>
-              </a:spcAft>
-              <a:buSzPts val="1800"/>
-              <a:buFont typeface="Poppins"/>
-              <a:buChar char="•"/>
-            </a:pPr>
             <a:r>
-              <a:rPr lang="en-US">
+              <a:rPr lang="pl-PL" dirty="0" err="1">
                 <a:latin typeface="Poppins"/>
                 <a:ea typeface="Poppins"/>
                 <a:cs typeface="Poppins"/>
                 <a:sym typeface="Poppins"/>
               </a:rPr>
-              <a:t>Materiały dostarcz przynajmniej 24h przed rozpoczęciem obrony na adres mailowy trenera (trener skontaktuje się z Tobą indywidualnie).</a:t>
+              <a:t>Mr</a:t>
             </a:r>
-            <a:endParaRPr>
+            <a:r>
+              <a:rPr lang="pl-PL" dirty="0">
+                <a:latin typeface="Poppins"/>
+                <a:ea typeface="Poppins"/>
+                <a:cs typeface="Poppins"/>
+                <a:sym typeface="Poppins"/>
+              </a:rPr>
+              <a:t> Buggy 2</a:t>
+            </a:r>
+            <a:br>
+              <a:rPr lang="en-US" dirty="0">
+                <a:latin typeface="Poppins"/>
+                <a:ea typeface="Poppins"/>
+                <a:cs typeface="Poppins"/>
+                <a:sym typeface="Poppins"/>
+              </a:rPr>
+            </a:br>
+            <a:endParaRPr lang="en-US" dirty="0">
               <a:latin typeface="Poppins"/>
               <a:ea typeface="Poppins"/>
               <a:cs typeface="Poppins"/>
@@ -8842,217 +8746,6 @@
 </file>
 
 <file path=ppt/slides/slide10.xml><?xml version="1.0" encoding="utf-8"?>
-<p:sld xmlns:a="http://schemas.openxmlformats.org/drawingml/2006/main" xmlns:r="http://schemas.openxmlformats.org/officeDocument/2006/relationships" xmlns:p="http://schemas.openxmlformats.org/presentationml/2006/main">
-  <p:cSld>
-    <p:spTree>
-      <p:nvGrpSpPr>
-        <p:cNvPr id="1" name="Shape 111"/>
-        <p:cNvGrpSpPr/>
-        <p:nvPr/>
-      </p:nvGrpSpPr>
-      <p:grpSpPr>
-        <a:xfrm>
-          <a:off x="0" y="0"/>
-          <a:ext cx="0" cy="0"/>
-          <a:chOff x="0" y="0"/>
-          <a:chExt cx="0" cy="0"/>
-        </a:xfrm>
-      </p:grpSpPr>
-      <p:sp>
-        <p:nvSpPr>
-          <p:cNvPr id="112" name="Google Shape;112;p8"/>
-          <p:cNvSpPr txBox="1">
-            <a:spLocks noGrp="1"/>
-          </p:cNvSpPr>
-          <p:nvPr>
-            <p:ph type="title"/>
-          </p:nvPr>
-        </p:nvSpPr>
-        <p:spPr>
-          <a:xfrm>
-            <a:off x="828869" y="-112515"/>
-            <a:ext cx="9957822" cy="1325563"/>
-          </a:xfrm>
-          <a:prstGeom prst="rect">
-            <a:avLst/>
-          </a:prstGeom>
-          <a:noFill/>
-          <a:ln>
-            <a:noFill/>
-          </a:ln>
-        </p:spPr>
-        <p:txBody>
-          <a:bodyPr spcFirstLastPara="1" wrap="square" lIns="91425" tIns="45700" rIns="91425" bIns="45700" anchor="ctr" anchorCtr="0">
-            <a:normAutofit/>
-          </a:bodyPr>
-          <a:lstStyle/>
-          <a:p>
-            <a:pPr marL="0" lvl="0" indent="0" algn="l" rtl="0">
-              <a:lnSpc>
-                <a:spcPct val="90000"/>
-              </a:lnSpc>
-              <a:spcBef>
-                <a:spcPts val="0"/>
-              </a:spcBef>
-              <a:spcAft>
-                <a:spcPts val="0"/>
-              </a:spcAft>
-              <a:buSzPts val="1800"/>
-              <a:buNone/>
-            </a:pPr>
-            <a:r>
-              <a:rPr lang="en-US" sz="3500" dirty="0" err="1">
-                <a:latin typeface="Poppins"/>
-                <a:ea typeface="Poppins"/>
-                <a:cs typeface="Poppins"/>
-                <a:sym typeface="Poppins"/>
-              </a:rPr>
-              <a:t>Raportowanie</a:t>
-            </a:r>
-            <a:r>
-              <a:rPr lang="en-US" sz="3500" dirty="0">
-                <a:latin typeface="Poppins"/>
-                <a:ea typeface="Poppins"/>
-                <a:cs typeface="Poppins"/>
-                <a:sym typeface="Poppins"/>
-              </a:rPr>
-              <a:t> </a:t>
-            </a:r>
-            <a:r>
-              <a:rPr lang="en-US" sz="3500" dirty="0" err="1">
-                <a:latin typeface="Poppins"/>
-                <a:ea typeface="Poppins"/>
-                <a:cs typeface="Poppins"/>
-                <a:sym typeface="Poppins"/>
-              </a:rPr>
-              <a:t>defektów</a:t>
-            </a:r>
-            <a:r>
-              <a:rPr lang="en-US" sz="3500" dirty="0">
-                <a:latin typeface="Poppins"/>
-                <a:ea typeface="Poppins"/>
-                <a:cs typeface="Poppins"/>
-                <a:sym typeface="Poppins"/>
-              </a:rPr>
-              <a:t> w </a:t>
-            </a:r>
-            <a:r>
-              <a:rPr lang="en-US" sz="3500" dirty="0" err="1">
-                <a:latin typeface="Poppins"/>
-                <a:ea typeface="Poppins"/>
-                <a:cs typeface="Poppins"/>
-                <a:sym typeface="Poppins"/>
-              </a:rPr>
-              <a:t>narzędziu</a:t>
-            </a:r>
-            <a:r>
-              <a:rPr lang="en-US" sz="3500" dirty="0">
-                <a:latin typeface="Poppins"/>
-                <a:ea typeface="Poppins"/>
-                <a:cs typeface="Poppins"/>
-                <a:sym typeface="Poppins"/>
-              </a:rPr>
-              <a:t> JIRA</a:t>
-            </a:r>
-            <a:endParaRPr sz="3500" dirty="0">
-              <a:latin typeface="Poppins"/>
-              <a:ea typeface="Poppins"/>
-              <a:cs typeface="Poppins"/>
-              <a:sym typeface="Poppins"/>
-            </a:endParaRPr>
-          </a:p>
-        </p:txBody>
-      </p:sp>
-      <p:sp>
-        <p:nvSpPr>
-          <p:cNvPr id="113" name="Google Shape;113;p8"/>
-          <p:cNvSpPr txBox="1">
-            <a:spLocks noGrp="1"/>
-          </p:cNvSpPr>
-          <p:nvPr>
-            <p:ph type="body" idx="1"/>
-          </p:nvPr>
-        </p:nvSpPr>
-        <p:spPr>
-          <a:xfrm>
-            <a:off x="3442995" y="2290665"/>
-            <a:ext cx="5514895" cy="2747963"/>
-          </a:xfrm>
-          <a:prstGeom prst="rect">
-            <a:avLst/>
-          </a:prstGeom>
-          <a:noFill/>
-          <a:ln>
-            <a:noFill/>
-          </a:ln>
-        </p:spPr>
-        <p:txBody>
-          <a:bodyPr spcFirstLastPara="1" wrap="square" lIns="91425" tIns="45700" rIns="91425" bIns="45700" anchor="t" anchorCtr="0">
-            <a:normAutofit/>
-          </a:bodyPr>
-          <a:lstStyle/>
-          <a:p>
-            <a:pPr marL="228600" lvl="0" indent="0" algn="l" rtl="0">
-              <a:lnSpc>
-                <a:spcPct val="90000"/>
-              </a:lnSpc>
-              <a:spcBef>
-                <a:spcPts val="1000"/>
-              </a:spcBef>
-              <a:spcAft>
-                <a:spcPts val="0"/>
-              </a:spcAft>
-              <a:buSzPts val="1800"/>
-              <a:buNone/>
-            </a:pPr>
-            <a:endParaRPr dirty="0">
-              <a:latin typeface="Poppins"/>
-              <a:ea typeface="Poppins"/>
-              <a:cs typeface="Poppins"/>
-              <a:sym typeface="Poppins"/>
-            </a:endParaRPr>
-          </a:p>
-        </p:txBody>
-      </p:sp>
-      <p:pic>
-        <p:nvPicPr>
-          <p:cNvPr id="3" name="Picture 2">
-            <a:extLst>
-              <a:ext uri="{FF2B5EF4-FFF2-40B4-BE49-F238E27FC236}">
-                <a16:creationId xmlns:a16="http://schemas.microsoft.com/office/drawing/2014/main" id="{BCFB01A5-E05E-4BD9-8949-3717D18D5BA5}"/>
-              </a:ext>
-            </a:extLst>
-          </p:cNvPr>
-          <p:cNvPicPr>
-            <a:picLocks noChangeAspect="1"/>
-          </p:cNvPicPr>
-          <p:nvPr/>
-        </p:nvPicPr>
-        <p:blipFill>
-          <a:blip r:embed="rId3"/>
-          <a:stretch>
-            <a:fillRect/>
-          </a:stretch>
-        </p:blipFill>
-        <p:spPr>
-          <a:xfrm>
-            <a:off x="952248" y="952856"/>
-            <a:ext cx="10361150" cy="5571769"/>
-          </a:xfrm>
-          <a:prstGeom prst="rect">
-            <a:avLst/>
-          </a:prstGeom>
-        </p:spPr>
-      </p:pic>
-    </p:spTree>
-  </p:cSld>
-  <p:clrMapOvr>
-    <a:masterClrMapping/>
-  </p:clrMapOvr>
-</p:sld>
-</file>
-
-<file path=ppt/slides/slide11.xml><?xml version="1.0" encoding="utf-8"?>
 <p:sld xmlns:a="http://schemas.openxmlformats.org/drawingml/2006/main" xmlns:r="http://schemas.openxmlformats.org/officeDocument/2006/relationships" xmlns:p="http://schemas.openxmlformats.org/presentationml/2006/main">
   <p:cSld>
     <p:spTree>
@@ -9292,7 +8985,7 @@
 </p:sld>
 </file>
 
-<file path=ppt/slides/slide12.xml><?xml version="1.0" encoding="utf-8"?>
+<file path=ppt/slides/slide11.xml><?xml version="1.0" encoding="utf-8"?>
 <p:sld xmlns:a="http://schemas.openxmlformats.org/drawingml/2006/main" xmlns:r="http://schemas.openxmlformats.org/officeDocument/2006/relationships" xmlns:p="http://schemas.openxmlformats.org/presentationml/2006/main">
   <p:cSld>
     <p:spTree>
@@ -9679,7 +9372,7 @@
 </p:sld>
 </file>
 
-<file path=ppt/slides/slide13.xml><?xml version="1.0" encoding="utf-8"?>
+<file path=ppt/slides/slide12.xml><?xml version="1.0" encoding="utf-8"?>
 <p:sld xmlns:a="http://schemas.openxmlformats.org/drawingml/2006/main" xmlns:r="http://schemas.openxmlformats.org/officeDocument/2006/relationships" xmlns:p="http://schemas.openxmlformats.org/presentationml/2006/main">
   <p:cSld>
     <p:spTree>
@@ -10077,262 +9770,6 @@
   <p:cSld>
     <p:spTree>
       <p:nvGrpSpPr>
-        <p:cNvPr id="1" name="Shape 74"/>
-        <p:cNvGrpSpPr/>
-        <p:nvPr/>
-      </p:nvGrpSpPr>
-      <p:grpSpPr>
-        <a:xfrm>
-          <a:off x="0" y="0"/>
-          <a:ext cx="0" cy="0"/>
-          <a:chOff x="0" y="0"/>
-          <a:chExt cx="0" cy="0"/>
-        </a:xfrm>
-      </p:grpSpPr>
-      <p:sp>
-        <p:nvSpPr>
-          <p:cNvPr id="75" name="Google Shape;75;p2"/>
-          <p:cNvSpPr txBox="1">
-            <a:spLocks noGrp="1"/>
-          </p:cNvSpPr>
-          <p:nvPr>
-            <p:ph type="ctrTitle"/>
-          </p:nvPr>
-        </p:nvSpPr>
-        <p:spPr>
-          <a:xfrm>
-            <a:off x="388883" y="1041400"/>
-            <a:ext cx="6950639" cy="2387600"/>
-          </a:xfrm>
-          <a:prstGeom prst="rect">
-            <a:avLst/>
-          </a:prstGeom>
-          <a:noFill/>
-          <a:ln>
-            <a:noFill/>
-          </a:ln>
-        </p:spPr>
-        <p:txBody>
-          <a:bodyPr spcFirstLastPara="1" wrap="square" lIns="91425" tIns="45700" rIns="91425" bIns="45700" anchor="b" anchorCtr="0">
-            <a:normAutofit/>
-          </a:bodyPr>
-          <a:lstStyle/>
-          <a:p>
-            <a:pPr marL="0" lvl="0" indent="0" algn="ctr" rtl="0">
-              <a:lnSpc>
-                <a:spcPct val="90000"/>
-              </a:lnSpc>
-              <a:spcBef>
-                <a:spcPts val="0"/>
-              </a:spcBef>
-              <a:spcAft>
-                <a:spcPts val="0"/>
-              </a:spcAft>
-              <a:buClr>
-                <a:schemeClr val="dk1"/>
-              </a:buClr>
-              <a:buSzPts val="6000"/>
-              <a:buFont typeface="Calibri"/>
-              <a:buNone/>
-            </a:pPr>
-            <a:r>
-              <a:rPr lang="en-US" sz="5000">
-                <a:latin typeface="Poppins"/>
-                <a:ea typeface="Poppins"/>
-                <a:cs typeface="Poppins"/>
-                <a:sym typeface="Poppins"/>
-              </a:rPr>
-              <a:t>Projekt Końcowy</a:t>
-            </a:r>
-            <a:endParaRPr sz="5000">
-              <a:latin typeface="Poppins"/>
-              <a:ea typeface="Poppins"/>
-              <a:cs typeface="Poppins"/>
-              <a:sym typeface="Poppins"/>
-            </a:endParaRPr>
-          </a:p>
-        </p:txBody>
-      </p:sp>
-      <p:sp>
-        <p:nvSpPr>
-          <p:cNvPr id="76" name="Google Shape;76;p2"/>
-          <p:cNvSpPr txBox="1">
-            <a:spLocks noGrp="1"/>
-          </p:cNvSpPr>
-          <p:nvPr>
-            <p:ph type="subTitle" idx="1"/>
-          </p:nvPr>
-        </p:nvSpPr>
-        <p:spPr>
-          <a:xfrm>
-            <a:off x="388883" y="3496355"/>
-            <a:ext cx="6950639" cy="1655762"/>
-          </a:xfrm>
-          <a:prstGeom prst="rect">
-            <a:avLst/>
-          </a:prstGeom>
-          <a:noFill/>
-          <a:ln>
-            <a:noFill/>
-          </a:ln>
-        </p:spPr>
-        <p:txBody>
-          <a:bodyPr spcFirstLastPara="1" wrap="square" lIns="91425" tIns="45700" rIns="91425" bIns="45700" anchor="t" anchorCtr="0">
-            <a:normAutofit fontScale="92500" lnSpcReduction="10000"/>
-          </a:bodyPr>
-          <a:lstStyle/>
-          <a:p>
-            <a:pPr marL="457200" lvl="0" indent="-406400" algn="ctr" rtl="0">
-              <a:lnSpc>
-                <a:spcPct val="90000"/>
-              </a:lnSpc>
-              <a:spcBef>
-                <a:spcPts val="1000"/>
-              </a:spcBef>
-              <a:spcAft>
-                <a:spcPts val="0"/>
-              </a:spcAft>
-              <a:buClr>
-                <a:schemeClr val="dk1"/>
-              </a:buClr>
-              <a:buSzPct val="108108"/>
-              <a:buNone/>
-            </a:pPr>
-            <a:r>
-              <a:rPr lang="pl-PL" dirty="0">
-                <a:latin typeface="Poppins"/>
-                <a:ea typeface="Poppins"/>
-                <a:cs typeface="Poppins"/>
-                <a:sym typeface="Poppins"/>
-              </a:rPr>
-              <a:t>Piotr </a:t>
-            </a:r>
-            <a:r>
-              <a:rPr lang="pl-PL" dirty="0" err="1">
-                <a:latin typeface="Poppins"/>
-                <a:ea typeface="Poppins"/>
-                <a:cs typeface="Poppins"/>
-                <a:sym typeface="Poppins"/>
-              </a:rPr>
-              <a:t>Zaguła</a:t>
-            </a:r>
-            <a:r>
-              <a:rPr lang="en-US" dirty="0">
-                <a:latin typeface="Poppins"/>
-                <a:ea typeface="Poppins"/>
-                <a:cs typeface="Poppins"/>
-                <a:sym typeface="Poppins"/>
-              </a:rPr>
-              <a:t> </a:t>
-            </a:r>
-            <a:endParaRPr dirty="0">
-              <a:latin typeface="Poppins"/>
-              <a:ea typeface="Poppins"/>
-              <a:cs typeface="Poppins"/>
-              <a:sym typeface="Poppins"/>
-            </a:endParaRPr>
-          </a:p>
-          <a:p>
-            <a:pPr marL="457200" lvl="0" indent="-406400" algn="ctr" rtl="0">
-              <a:lnSpc>
-                <a:spcPct val="90000"/>
-              </a:lnSpc>
-              <a:spcBef>
-                <a:spcPts val="1000"/>
-              </a:spcBef>
-              <a:spcAft>
-                <a:spcPts val="0"/>
-              </a:spcAft>
-              <a:buClr>
-                <a:schemeClr val="dk1"/>
-              </a:buClr>
-              <a:buSzPct val="108108"/>
-              <a:buNone/>
-            </a:pPr>
-            <a:r>
-              <a:rPr lang="en-US" dirty="0">
-                <a:latin typeface="Poppins"/>
-                <a:ea typeface="Poppins"/>
-                <a:cs typeface="Poppins"/>
-                <a:sym typeface="Poppins"/>
-              </a:rPr>
-              <a:t>ZDTESTpol92</a:t>
-            </a:r>
-          </a:p>
-          <a:p>
-            <a:pPr marL="457200" lvl="0" indent="-406400" algn="ctr" rtl="0">
-              <a:lnSpc>
-                <a:spcPct val="90000"/>
-              </a:lnSpc>
-              <a:spcBef>
-                <a:spcPts val="1000"/>
-              </a:spcBef>
-              <a:spcAft>
-                <a:spcPts val="0"/>
-              </a:spcAft>
-              <a:buClr>
-                <a:schemeClr val="dk1"/>
-              </a:buClr>
-              <a:buSzPct val="108108"/>
-              <a:buNone/>
-            </a:pPr>
-            <a:r>
-              <a:rPr lang="pl-PL" dirty="0">
-                <a:latin typeface="Poppins"/>
-                <a:ea typeface="Poppins"/>
-                <a:cs typeface="Poppins"/>
-                <a:sym typeface="Poppins"/>
-              </a:rPr>
-              <a:t>Testy aplikacji </a:t>
-            </a:r>
-            <a:r>
-              <a:rPr lang="pl-PL" dirty="0" err="1">
-                <a:latin typeface="Poppins"/>
-                <a:ea typeface="Poppins"/>
-                <a:cs typeface="Poppins"/>
-                <a:sym typeface="Poppins"/>
-              </a:rPr>
-              <a:t>Mr</a:t>
-            </a:r>
-            <a:r>
-              <a:rPr lang="pl-PL" dirty="0">
-                <a:latin typeface="Poppins"/>
-                <a:ea typeface="Poppins"/>
-                <a:cs typeface="Poppins"/>
-                <a:sym typeface="Poppins"/>
-              </a:rPr>
-              <a:t> Buggy 2</a:t>
-            </a:r>
-            <a:br>
-              <a:rPr lang="en-US" dirty="0">
-                <a:latin typeface="Poppins"/>
-                <a:ea typeface="Poppins"/>
-                <a:cs typeface="Poppins"/>
-                <a:sym typeface="Poppins"/>
-              </a:rPr>
-            </a:br>
-            <a:endParaRPr lang="en-US" dirty="0">
-              <a:latin typeface="Poppins"/>
-              <a:ea typeface="Poppins"/>
-              <a:cs typeface="Poppins"/>
-              <a:sym typeface="Poppins"/>
-            </a:endParaRPr>
-          </a:p>
-        </p:txBody>
-      </p:sp>
-    </p:spTree>
-  </p:cSld>
-  <p:clrMapOvr>
-    <a:masterClrMapping/>
-  </p:clrMapOvr>
-</p:sld>
-</file>
-
-<file path=ppt/slides/slide3.xml><?xml version="1.0" encoding="utf-8"?>
-<p:sld xmlns:a="http://schemas.openxmlformats.org/drawingml/2006/main" xmlns:r="http://schemas.openxmlformats.org/officeDocument/2006/relationships" xmlns:p="http://schemas.openxmlformats.org/presentationml/2006/main">
-  <p:cSld>
-    <p:spTree>
-      <p:nvGrpSpPr>
         <p:cNvPr id="1" name="Shape 80"/>
         <p:cNvGrpSpPr/>
         <p:nvPr/>
@@ -10942,7 +10379,7 @@
 </p:sld>
 </file>
 
-<file path=ppt/slides/slide4.xml><?xml version="1.0" encoding="utf-8"?>
+<file path=ppt/slides/slide3.xml><?xml version="1.0" encoding="utf-8"?>
 <p:sld xmlns:a="http://schemas.openxmlformats.org/drawingml/2006/main" xmlns:r="http://schemas.openxmlformats.org/officeDocument/2006/relationships" xmlns:p="http://schemas.openxmlformats.org/presentationml/2006/main">
   <p:cSld>
     <p:spTree>
@@ -11295,7 +10732,7 @@
 </p:sld>
 </file>
 
-<file path=ppt/slides/slide5.xml><?xml version="1.0" encoding="utf-8"?>
+<file path=ppt/slides/slide4.xml><?xml version="1.0" encoding="utf-8"?>
 <p:sld xmlns:a="http://schemas.openxmlformats.org/drawingml/2006/main" xmlns:r="http://schemas.openxmlformats.org/officeDocument/2006/relationships" xmlns:p="http://schemas.openxmlformats.org/presentationml/2006/main">
   <p:cSld>
     <p:spTree>
@@ -11532,7 +10969,7 @@
 </p:sld>
 </file>
 
-<file path=ppt/slides/slide6.xml><?xml version="1.0" encoding="utf-8"?>
+<file path=ppt/slides/slide5.xml><?xml version="1.0" encoding="utf-8"?>
 <p:sld xmlns:a="http://schemas.openxmlformats.org/drawingml/2006/main" xmlns:r="http://schemas.openxmlformats.org/officeDocument/2006/relationships" xmlns:p="http://schemas.openxmlformats.org/presentationml/2006/main">
   <p:cSld>
     <p:spTree>
@@ -11701,7 +11138,7 @@
 </p:sld>
 </file>
 
-<file path=ppt/slides/slide7.xml><?xml version="1.0" encoding="utf-8"?>
+<file path=ppt/slides/slide6.xml><?xml version="1.0" encoding="utf-8"?>
 <p:sld xmlns:a="http://schemas.openxmlformats.org/drawingml/2006/main" xmlns:r="http://schemas.openxmlformats.org/officeDocument/2006/relationships" xmlns:p="http://schemas.openxmlformats.org/presentationml/2006/main">
   <p:cSld>
     <p:spTree>
@@ -11924,7 +11361,7 @@
 </p:sld>
 </file>
 
-<file path=ppt/slides/slide8.xml><?xml version="1.0" encoding="utf-8"?>
+<file path=ppt/slides/slide7.xml><?xml version="1.0" encoding="utf-8"?>
 <p:sld xmlns:a="http://schemas.openxmlformats.org/drawingml/2006/main" xmlns:r="http://schemas.openxmlformats.org/officeDocument/2006/relationships" xmlns:p="http://schemas.openxmlformats.org/presentationml/2006/main">
   <p:cSld>
     <p:spTree>
@@ -12129,7 +11566,7 @@
 </p:sld>
 </file>
 
-<file path=ppt/slides/slide9.xml><?xml version="1.0" encoding="utf-8"?>
+<file path=ppt/slides/slide8.xml><?xml version="1.0" encoding="utf-8"?>
 <p:sld xmlns:a="http://schemas.openxmlformats.org/drawingml/2006/main" xmlns:r="http://schemas.openxmlformats.org/officeDocument/2006/relationships" xmlns:p="http://schemas.openxmlformats.org/presentationml/2006/main">
   <p:cSld>
     <p:spTree>
@@ -14100,6 +13537,217 @@
 </p:sld>
 </file>
 
+<file path=ppt/slides/slide9.xml><?xml version="1.0" encoding="utf-8"?>
+<p:sld xmlns:a="http://schemas.openxmlformats.org/drawingml/2006/main" xmlns:r="http://schemas.openxmlformats.org/officeDocument/2006/relationships" xmlns:p="http://schemas.openxmlformats.org/presentationml/2006/main">
+  <p:cSld>
+    <p:spTree>
+      <p:nvGrpSpPr>
+        <p:cNvPr id="1" name="Shape 111"/>
+        <p:cNvGrpSpPr/>
+        <p:nvPr/>
+      </p:nvGrpSpPr>
+      <p:grpSpPr>
+        <a:xfrm>
+          <a:off x="0" y="0"/>
+          <a:ext cx="0" cy="0"/>
+          <a:chOff x="0" y="0"/>
+          <a:chExt cx="0" cy="0"/>
+        </a:xfrm>
+      </p:grpSpPr>
+      <p:sp>
+        <p:nvSpPr>
+          <p:cNvPr id="112" name="Google Shape;112;p8"/>
+          <p:cNvSpPr txBox="1">
+            <a:spLocks noGrp="1"/>
+          </p:cNvSpPr>
+          <p:nvPr>
+            <p:ph type="title"/>
+          </p:nvPr>
+        </p:nvSpPr>
+        <p:spPr>
+          <a:xfrm>
+            <a:off x="828869" y="-112515"/>
+            <a:ext cx="9957822" cy="1325563"/>
+          </a:xfrm>
+          <a:prstGeom prst="rect">
+            <a:avLst/>
+          </a:prstGeom>
+          <a:noFill/>
+          <a:ln>
+            <a:noFill/>
+          </a:ln>
+        </p:spPr>
+        <p:txBody>
+          <a:bodyPr spcFirstLastPara="1" wrap="square" lIns="91425" tIns="45700" rIns="91425" bIns="45700" anchor="ctr" anchorCtr="0">
+            <a:normAutofit/>
+          </a:bodyPr>
+          <a:lstStyle/>
+          <a:p>
+            <a:pPr marL="0" lvl="0" indent="0" algn="l" rtl="0">
+              <a:lnSpc>
+                <a:spcPct val="90000"/>
+              </a:lnSpc>
+              <a:spcBef>
+                <a:spcPts val="0"/>
+              </a:spcBef>
+              <a:spcAft>
+                <a:spcPts val="0"/>
+              </a:spcAft>
+              <a:buSzPts val="1800"/>
+              <a:buNone/>
+            </a:pPr>
+            <a:r>
+              <a:rPr lang="en-US" sz="3500" dirty="0" err="1">
+                <a:latin typeface="Poppins"/>
+                <a:ea typeface="Poppins"/>
+                <a:cs typeface="Poppins"/>
+                <a:sym typeface="Poppins"/>
+              </a:rPr>
+              <a:t>Raportowanie</a:t>
+            </a:r>
+            <a:r>
+              <a:rPr lang="en-US" sz="3500" dirty="0">
+                <a:latin typeface="Poppins"/>
+                <a:ea typeface="Poppins"/>
+                <a:cs typeface="Poppins"/>
+                <a:sym typeface="Poppins"/>
+              </a:rPr>
+              <a:t> </a:t>
+            </a:r>
+            <a:r>
+              <a:rPr lang="en-US" sz="3500" dirty="0" err="1">
+                <a:latin typeface="Poppins"/>
+                <a:ea typeface="Poppins"/>
+                <a:cs typeface="Poppins"/>
+                <a:sym typeface="Poppins"/>
+              </a:rPr>
+              <a:t>defektów</a:t>
+            </a:r>
+            <a:r>
+              <a:rPr lang="en-US" sz="3500" dirty="0">
+                <a:latin typeface="Poppins"/>
+                <a:ea typeface="Poppins"/>
+                <a:cs typeface="Poppins"/>
+                <a:sym typeface="Poppins"/>
+              </a:rPr>
+              <a:t> w </a:t>
+            </a:r>
+            <a:r>
+              <a:rPr lang="en-US" sz="3500" dirty="0" err="1">
+                <a:latin typeface="Poppins"/>
+                <a:ea typeface="Poppins"/>
+                <a:cs typeface="Poppins"/>
+                <a:sym typeface="Poppins"/>
+              </a:rPr>
+              <a:t>narzędziu</a:t>
+            </a:r>
+            <a:r>
+              <a:rPr lang="en-US" sz="3500" dirty="0">
+                <a:latin typeface="Poppins"/>
+                <a:ea typeface="Poppins"/>
+                <a:cs typeface="Poppins"/>
+                <a:sym typeface="Poppins"/>
+              </a:rPr>
+              <a:t> JIRA</a:t>
+            </a:r>
+            <a:endParaRPr sz="3500" dirty="0">
+              <a:latin typeface="Poppins"/>
+              <a:ea typeface="Poppins"/>
+              <a:cs typeface="Poppins"/>
+              <a:sym typeface="Poppins"/>
+            </a:endParaRPr>
+          </a:p>
+        </p:txBody>
+      </p:sp>
+      <p:sp>
+        <p:nvSpPr>
+          <p:cNvPr id="113" name="Google Shape;113;p8"/>
+          <p:cNvSpPr txBox="1">
+            <a:spLocks noGrp="1"/>
+          </p:cNvSpPr>
+          <p:nvPr>
+            <p:ph type="body" idx="1"/>
+          </p:nvPr>
+        </p:nvSpPr>
+        <p:spPr>
+          <a:xfrm>
+            <a:off x="3442995" y="2290665"/>
+            <a:ext cx="5514895" cy="2747963"/>
+          </a:xfrm>
+          <a:prstGeom prst="rect">
+            <a:avLst/>
+          </a:prstGeom>
+          <a:noFill/>
+          <a:ln>
+            <a:noFill/>
+          </a:ln>
+        </p:spPr>
+        <p:txBody>
+          <a:bodyPr spcFirstLastPara="1" wrap="square" lIns="91425" tIns="45700" rIns="91425" bIns="45700" anchor="t" anchorCtr="0">
+            <a:normAutofit/>
+          </a:bodyPr>
+          <a:lstStyle/>
+          <a:p>
+            <a:pPr marL="228600" lvl="0" indent="0" algn="l" rtl="0">
+              <a:lnSpc>
+                <a:spcPct val="90000"/>
+              </a:lnSpc>
+              <a:spcBef>
+                <a:spcPts val="1000"/>
+              </a:spcBef>
+              <a:spcAft>
+                <a:spcPts val="0"/>
+              </a:spcAft>
+              <a:buSzPts val="1800"/>
+              <a:buNone/>
+            </a:pPr>
+            <a:endParaRPr dirty="0">
+              <a:latin typeface="Poppins"/>
+              <a:ea typeface="Poppins"/>
+              <a:cs typeface="Poppins"/>
+              <a:sym typeface="Poppins"/>
+            </a:endParaRPr>
+          </a:p>
+        </p:txBody>
+      </p:sp>
+      <p:pic>
+        <p:nvPicPr>
+          <p:cNvPr id="3" name="Picture 2">
+            <a:extLst>
+              <a:ext uri="{FF2B5EF4-FFF2-40B4-BE49-F238E27FC236}">
+                <a16:creationId xmlns:a16="http://schemas.microsoft.com/office/drawing/2014/main" id="{BCFB01A5-E05E-4BD9-8949-3717D18D5BA5}"/>
+              </a:ext>
+            </a:extLst>
+          </p:cNvPr>
+          <p:cNvPicPr>
+            <a:picLocks noChangeAspect="1"/>
+          </p:cNvPicPr>
+          <p:nvPr/>
+        </p:nvPicPr>
+        <p:blipFill>
+          <a:blip r:embed="rId3"/>
+          <a:stretch>
+            <a:fillRect/>
+          </a:stretch>
+        </p:blipFill>
+        <p:spPr>
+          <a:xfrm>
+            <a:off x="952248" y="952856"/>
+            <a:ext cx="10361150" cy="5571769"/>
+          </a:xfrm>
+          <a:prstGeom prst="rect">
+            <a:avLst/>
+          </a:prstGeom>
+        </p:spPr>
+      </p:pic>
+    </p:spTree>
+  </p:cSld>
+  <p:clrMapOvr>
+    <a:masterClrMapping/>
+  </p:clrMapOvr>
+</p:sld>
+</file>
+
 <file path=ppt/theme/theme1.xml><?xml version="1.0" encoding="utf-8"?>
 <a:theme xmlns:a="http://schemas.openxmlformats.org/drawingml/2006/main" name="Motyw pakietu Office">
   <a:themeElements>

--- a/Prezentacja_Tester_Oprogramowania_Piotr_Zaguła.pptx
+++ b/Prezentacja_Tester_Oprogramowania_Piotr_Zaguła.pptx
@@ -5,7 +5,7 @@
     <p:sldMasterId id="2147483648" r:id="rId1"/>
   </p:sldMasterIdLst>
   <p:notesMasterIdLst>
-    <p:notesMasterId r:id="rId14"/>
+    <p:notesMasterId r:id="rId16"/>
   </p:notesMasterIdLst>
   <p:sldIdLst>
     <p:sldId id="257" r:id="rId2"/>
@@ -20,23 +20,25 @@
     <p:sldId id="269" r:id="rId11"/>
     <p:sldId id="270" r:id="rId12"/>
     <p:sldId id="271" r:id="rId13"/>
+    <p:sldId id="272" r:id="rId14"/>
+    <p:sldId id="273" r:id="rId15"/>
   </p:sldIdLst>
   <p:sldSz cx="12192000" cy="6858000"/>
   <p:notesSz cx="6858000" cy="9144000"/>
   <p:embeddedFontLst>
     <p:embeddedFont>
       <p:font typeface="Calibri" panose="020F0502020204030204" pitchFamily="34" charset="0"/>
-      <p:regular r:id="rId15"/>
-      <p:bold r:id="rId16"/>
-      <p:italic r:id="rId17"/>
-      <p:boldItalic r:id="rId18"/>
+      <p:regular r:id="rId17"/>
+      <p:bold r:id="rId18"/>
+      <p:italic r:id="rId19"/>
+      <p:boldItalic r:id="rId20"/>
     </p:embeddedFont>
     <p:embeddedFont>
       <p:font typeface="Poppins" panose="00000500000000000000" pitchFamily="2" charset="-18"/>
-      <p:regular r:id="rId19"/>
-      <p:bold r:id="rId20"/>
-      <p:italic r:id="rId21"/>
-      <p:boldItalic r:id="rId22"/>
+      <p:regular r:id="rId21"/>
+      <p:bold r:id="rId22"/>
+      <p:italic r:id="rId23"/>
+      <p:boldItalic r:id="rId24"/>
     </p:embeddedFont>
   </p:embeddedFontLst>
   <p:defaultTextStyle>
@@ -273,7 +275,7 @@
       <p15:sldGuideLst xmlns:p15="http://schemas.microsoft.com/office/powerpoint/2012/main"/>
     </p:ext>
     <p:ext uri="http://customooxmlschemas.google.com/">
-      <go:slidesCustomData xmlns="" xmlns:mc="http://schemas.openxmlformats.org/markup-compatibility/2006" xmlns:mv="urn:schemas-microsoft-com:mac:vml" xmlns:c="http://schemas.openxmlformats.org/drawingml/2006/chart" xmlns:dgm="http://schemas.openxmlformats.org/drawingml/2006/diagram" xmlns:o="urn:schemas-microsoft-com:office:office" xmlns:v="urn:schemas-microsoft-com:vml" xmlns:pvml="urn:schemas-microsoft-com:office:powerpoint" xmlns:com="http://schemas.openxmlformats.org/drawingml/2006/compatibility" xmlns:p14="http://schemas.microsoft.com/office/powerpoint/2010/main" xmlns:p15="http://schemas.microsoft.com/office/powerpoint/2012/main" xmlns:ahyp="http://schemas.microsoft.com/office/drawing/2018/hyperlinkcolor" xmlns:go="http://customooxmlschemas.google.com/" r:id="rId24" roundtripDataSignature="AMtx7miXMjpKdOZMbqgcJFAryASTqGq7bA=="/>
+      <go:slidesCustomData xmlns:go="http://customooxmlschemas.google.com/" xmlns:ahyp="http://schemas.microsoft.com/office/drawing/2018/hyperlinkcolor" xmlns:p15="http://schemas.microsoft.com/office/powerpoint/2012/main" xmlns:p14="http://schemas.microsoft.com/office/powerpoint/2010/main" xmlns:com="http://schemas.openxmlformats.org/drawingml/2006/compatibility" xmlns:pvml="urn:schemas-microsoft-com:office:powerpoint" xmlns:v="urn:schemas-microsoft-com:vml" xmlns:o="urn:schemas-microsoft-com:office:office" xmlns:dgm="http://schemas.openxmlformats.org/drawingml/2006/diagram" xmlns:c="http://schemas.openxmlformats.org/drawingml/2006/chart" xmlns:mv="urn:schemas-microsoft-com:mac:vml" xmlns:mc="http://schemas.openxmlformats.org/markup-compatibility/2006" xmlns="" r:id="rId25" roundtripDataSignature="AMtx7miXMjpKdOZMbqgcJFAryASTqGq7bA=="/>
     </p:ext>
   </p:extLst>
 </p:presentation>
@@ -1352,6 +1354,260 @@
     <p:extLst>
       <p:ext uri="{BB962C8B-B14F-4D97-AF65-F5344CB8AC3E}">
         <p14:creationId xmlns:p14="http://schemas.microsoft.com/office/powerpoint/2010/main" val="2686515754"/>
+      </p:ext>
+    </p:extLst>
+  </p:cSld>
+  <p:clrMapOvr>
+    <a:masterClrMapping/>
+  </p:clrMapOvr>
+</p:notes>
+</file>
+
+<file path=ppt/notesSlides/notesSlide13.xml><?xml version="1.0" encoding="utf-8"?>
+<p:notes xmlns:a="http://schemas.openxmlformats.org/drawingml/2006/main" xmlns:r="http://schemas.openxmlformats.org/officeDocument/2006/relationships" xmlns:p="http://schemas.openxmlformats.org/presentationml/2006/main" showMasterSp="0" showMasterPhAnim="0">
+  <p:cSld>
+    <p:spTree>
+      <p:nvGrpSpPr>
+        <p:cNvPr id="1" name="Shape 114"/>
+        <p:cNvGrpSpPr/>
+        <p:nvPr/>
+      </p:nvGrpSpPr>
+      <p:grpSpPr>
+        <a:xfrm>
+          <a:off x="0" y="0"/>
+          <a:ext cx="0" cy="0"/>
+          <a:chOff x="0" y="0"/>
+          <a:chExt cx="0" cy="0"/>
+        </a:xfrm>
+      </p:grpSpPr>
+      <p:sp>
+        <p:nvSpPr>
+          <p:cNvPr id="115" name="Google Shape;115;p9:notes"/>
+          <p:cNvSpPr txBox="1">
+            <a:spLocks noGrp="1"/>
+          </p:cNvSpPr>
+          <p:nvPr>
+            <p:ph type="body" idx="1"/>
+          </p:nvPr>
+        </p:nvSpPr>
+        <p:spPr>
+          <a:xfrm>
+            <a:off x="685800" y="4343400"/>
+            <a:ext cx="5486400" cy="4114800"/>
+          </a:xfrm>
+          <a:prstGeom prst="rect">
+            <a:avLst/>
+          </a:prstGeom>
+          <a:noFill/>
+          <a:ln>
+            <a:noFill/>
+          </a:ln>
+        </p:spPr>
+        <p:txBody>
+          <a:bodyPr spcFirstLastPara="1" wrap="square" lIns="91425" tIns="91425" rIns="91425" bIns="91425" anchor="t" anchorCtr="0">
+            <a:noAutofit/>
+          </a:bodyPr>
+          <a:lstStyle/>
+          <a:p>
+            <a:pPr marL="0" lvl="0" indent="0" algn="l" rtl="0">
+              <a:lnSpc>
+                <a:spcPct val="100000"/>
+              </a:lnSpc>
+              <a:spcBef>
+                <a:spcPts val="0"/>
+              </a:spcBef>
+              <a:spcAft>
+                <a:spcPts val="0"/>
+              </a:spcAft>
+              <a:buSzPts val="1100"/>
+              <a:buNone/>
+            </a:pPr>
+            <a:endParaRPr/>
+          </a:p>
+        </p:txBody>
+      </p:sp>
+      <p:sp>
+        <p:nvSpPr>
+          <p:cNvPr id="116" name="Google Shape;116;p9:notes"/>
+          <p:cNvSpPr>
+            <a:spLocks noGrp="1" noRot="1" noChangeAspect="1"/>
+          </p:cNvSpPr>
+          <p:nvPr>
+            <p:ph type="sldImg" idx="2"/>
+          </p:nvPr>
+        </p:nvSpPr>
+        <p:spPr>
+          <a:xfrm>
+            <a:off x="381000" y="685800"/>
+            <a:ext cx="6096000" cy="3429000"/>
+          </a:xfrm>
+          <a:custGeom>
+            <a:avLst/>
+            <a:gdLst/>
+            <a:ahLst/>
+            <a:cxnLst/>
+            <a:rect l="l" t="t" r="r" b="b"/>
+            <a:pathLst>
+              <a:path w="120000" h="120000" extrusionOk="0">
+                <a:moveTo>
+                  <a:pt x="0" y="0"/>
+                </a:moveTo>
+                <a:lnTo>
+                  <a:pt x="120000" y="0"/>
+                </a:lnTo>
+                <a:lnTo>
+                  <a:pt x="120000" y="120000"/>
+                </a:lnTo>
+                <a:lnTo>
+                  <a:pt x="0" y="120000"/>
+                </a:lnTo>
+                <a:close/>
+              </a:path>
+            </a:pathLst>
+          </a:custGeom>
+          <a:noFill/>
+          <a:ln w="9525" cap="flat" cmpd="sng">
+            <a:solidFill>
+              <a:srgbClr val="000000"/>
+            </a:solidFill>
+            <a:prstDash val="solid"/>
+            <a:round/>
+            <a:headEnd type="none" w="sm" len="sm"/>
+            <a:tailEnd type="none" w="sm" len="sm"/>
+          </a:ln>
+        </p:spPr>
+      </p:sp>
+    </p:spTree>
+    <p:extLst>
+      <p:ext uri="{BB962C8B-B14F-4D97-AF65-F5344CB8AC3E}">
+        <p14:creationId xmlns:p14="http://schemas.microsoft.com/office/powerpoint/2010/main" val="3200433499"/>
+      </p:ext>
+    </p:extLst>
+  </p:cSld>
+  <p:clrMapOvr>
+    <a:masterClrMapping/>
+  </p:clrMapOvr>
+</p:notes>
+</file>
+
+<file path=ppt/notesSlides/notesSlide14.xml><?xml version="1.0" encoding="utf-8"?>
+<p:notes xmlns:a="http://schemas.openxmlformats.org/drawingml/2006/main" xmlns:r="http://schemas.openxmlformats.org/officeDocument/2006/relationships" xmlns:p="http://schemas.openxmlformats.org/presentationml/2006/main" showMasterSp="0" showMasterPhAnim="0">
+  <p:cSld>
+    <p:spTree>
+      <p:nvGrpSpPr>
+        <p:cNvPr id="1" name="Shape 114"/>
+        <p:cNvGrpSpPr/>
+        <p:nvPr/>
+      </p:nvGrpSpPr>
+      <p:grpSpPr>
+        <a:xfrm>
+          <a:off x="0" y="0"/>
+          <a:ext cx="0" cy="0"/>
+          <a:chOff x="0" y="0"/>
+          <a:chExt cx="0" cy="0"/>
+        </a:xfrm>
+      </p:grpSpPr>
+      <p:sp>
+        <p:nvSpPr>
+          <p:cNvPr id="115" name="Google Shape;115;p9:notes"/>
+          <p:cNvSpPr txBox="1">
+            <a:spLocks noGrp="1"/>
+          </p:cNvSpPr>
+          <p:nvPr>
+            <p:ph type="body" idx="1"/>
+          </p:nvPr>
+        </p:nvSpPr>
+        <p:spPr>
+          <a:xfrm>
+            <a:off x="685800" y="4343400"/>
+            <a:ext cx="5486400" cy="4114800"/>
+          </a:xfrm>
+          <a:prstGeom prst="rect">
+            <a:avLst/>
+          </a:prstGeom>
+          <a:noFill/>
+          <a:ln>
+            <a:noFill/>
+          </a:ln>
+        </p:spPr>
+        <p:txBody>
+          <a:bodyPr spcFirstLastPara="1" wrap="square" lIns="91425" tIns="91425" rIns="91425" bIns="91425" anchor="t" anchorCtr="0">
+            <a:noAutofit/>
+          </a:bodyPr>
+          <a:lstStyle/>
+          <a:p>
+            <a:pPr marL="0" lvl="0" indent="0" algn="l" rtl="0">
+              <a:lnSpc>
+                <a:spcPct val="100000"/>
+              </a:lnSpc>
+              <a:spcBef>
+                <a:spcPts val="0"/>
+              </a:spcBef>
+              <a:spcAft>
+                <a:spcPts val="0"/>
+              </a:spcAft>
+              <a:buSzPts val="1100"/>
+              <a:buNone/>
+            </a:pPr>
+            <a:endParaRPr/>
+          </a:p>
+        </p:txBody>
+      </p:sp>
+      <p:sp>
+        <p:nvSpPr>
+          <p:cNvPr id="116" name="Google Shape;116;p9:notes"/>
+          <p:cNvSpPr>
+            <a:spLocks noGrp="1" noRot="1" noChangeAspect="1"/>
+          </p:cNvSpPr>
+          <p:nvPr>
+            <p:ph type="sldImg" idx="2"/>
+          </p:nvPr>
+        </p:nvSpPr>
+        <p:spPr>
+          <a:xfrm>
+            <a:off x="381000" y="685800"/>
+            <a:ext cx="6096000" cy="3429000"/>
+          </a:xfrm>
+          <a:custGeom>
+            <a:avLst/>
+            <a:gdLst/>
+            <a:ahLst/>
+            <a:cxnLst/>
+            <a:rect l="l" t="t" r="r" b="b"/>
+            <a:pathLst>
+              <a:path w="120000" h="120000" extrusionOk="0">
+                <a:moveTo>
+                  <a:pt x="0" y="0"/>
+                </a:moveTo>
+                <a:lnTo>
+                  <a:pt x="120000" y="0"/>
+                </a:lnTo>
+                <a:lnTo>
+                  <a:pt x="120000" y="120000"/>
+                </a:lnTo>
+                <a:lnTo>
+                  <a:pt x="0" y="120000"/>
+                </a:lnTo>
+                <a:close/>
+              </a:path>
+            </a:pathLst>
+          </a:custGeom>
+          <a:noFill/>
+          <a:ln w="9525" cap="flat" cmpd="sng">
+            <a:solidFill>
+              <a:srgbClr val="000000"/>
+            </a:solidFill>
+            <a:prstDash val="solid"/>
+            <a:round/>
+            <a:headEnd type="none" w="sm" len="sm"/>
+            <a:tailEnd type="none" w="sm" len="sm"/>
+          </a:ln>
+        </p:spPr>
+      </p:sp>
+    </p:spTree>
+    <p:extLst>
+      <p:ext uri="{BB962C8B-B14F-4D97-AF65-F5344CB8AC3E}">
+        <p14:creationId xmlns:p14="http://schemas.microsoft.com/office/powerpoint/2010/main" val="1500974992"/>
       </p:ext>
     </p:extLst>
   </p:cSld>
@@ -9756,6 +10012,288 @@
     <p:extLst>
       <p:ext uri="{BB962C8B-B14F-4D97-AF65-F5344CB8AC3E}">
         <p14:creationId xmlns:p14="http://schemas.microsoft.com/office/powerpoint/2010/main" val="2942173561"/>
+      </p:ext>
+    </p:extLst>
+  </p:cSld>
+  <p:clrMapOvr>
+    <a:masterClrMapping/>
+  </p:clrMapOvr>
+</p:sld>
+</file>
+
+<file path=ppt/slides/slide13.xml><?xml version="1.0" encoding="utf-8"?>
+<p:sld xmlns:a="http://schemas.openxmlformats.org/drawingml/2006/main" xmlns:r="http://schemas.openxmlformats.org/officeDocument/2006/relationships" xmlns:p="http://schemas.openxmlformats.org/presentationml/2006/main">
+  <p:cSld>
+    <p:spTree>
+      <p:nvGrpSpPr>
+        <p:cNvPr id="1" name="Shape 117"/>
+        <p:cNvGrpSpPr/>
+        <p:nvPr/>
+      </p:nvGrpSpPr>
+      <p:grpSpPr>
+        <a:xfrm>
+          <a:off x="0" y="0"/>
+          <a:ext cx="0" cy="0"/>
+          <a:chOff x="0" y="0"/>
+          <a:chExt cx="0" cy="0"/>
+        </a:xfrm>
+      </p:grpSpPr>
+      <p:sp>
+        <p:nvSpPr>
+          <p:cNvPr id="118" name="Google Shape;118;p9"/>
+          <p:cNvSpPr txBox="1">
+            <a:spLocks noGrp="1"/>
+          </p:cNvSpPr>
+          <p:nvPr>
+            <p:ph type="title"/>
+          </p:nvPr>
+        </p:nvSpPr>
+        <p:spPr>
+          <a:xfrm>
+            <a:off x="670249" y="-110736"/>
+            <a:ext cx="9957822" cy="1325563"/>
+          </a:xfrm>
+          <a:prstGeom prst="rect">
+            <a:avLst/>
+          </a:prstGeom>
+          <a:noFill/>
+          <a:ln>
+            <a:noFill/>
+          </a:ln>
+        </p:spPr>
+        <p:txBody>
+          <a:bodyPr spcFirstLastPara="1" wrap="square" lIns="91425" tIns="45700" rIns="91425" bIns="45700" anchor="ctr" anchorCtr="0">
+            <a:normAutofit/>
+          </a:bodyPr>
+          <a:lstStyle/>
+          <a:p>
+            <a:pPr marL="0" lvl="0" indent="0" algn="l" rtl="0">
+              <a:lnSpc>
+                <a:spcPct val="90000"/>
+              </a:lnSpc>
+              <a:spcBef>
+                <a:spcPts val="0"/>
+              </a:spcBef>
+              <a:spcAft>
+                <a:spcPts val="0"/>
+              </a:spcAft>
+              <a:buSzPts val="1800"/>
+              <a:buNone/>
+            </a:pPr>
+            <a:r>
+              <a:rPr lang="pl-PL" sz="3500" dirty="0">
+                <a:latin typeface="Poppins"/>
+                <a:ea typeface="Poppins"/>
+                <a:cs typeface="Poppins"/>
+                <a:sym typeface="Poppins"/>
+              </a:rPr>
+              <a:t>Wnioski</a:t>
+            </a:r>
+            <a:endParaRPr sz="3500" dirty="0">
+              <a:latin typeface="Poppins"/>
+              <a:ea typeface="Poppins"/>
+              <a:cs typeface="Poppins"/>
+              <a:sym typeface="Poppins"/>
+            </a:endParaRPr>
+          </a:p>
+        </p:txBody>
+      </p:sp>
+      <p:sp>
+        <p:nvSpPr>
+          <p:cNvPr id="119" name="Google Shape;119;p9"/>
+          <p:cNvSpPr txBox="1">
+            <a:spLocks noGrp="1"/>
+          </p:cNvSpPr>
+          <p:nvPr>
+            <p:ph type="body" idx="1"/>
+          </p:nvPr>
+        </p:nvSpPr>
+        <p:spPr>
+          <a:xfrm>
+            <a:off x="-54933" y="1330036"/>
+            <a:ext cx="5236534" cy="5276762"/>
+          </a:xfrm>
+          <a:prstGeom prst="rect">
+            <a:avLst/>
+          </a:prstGeom>
+          <a:noFill/>
+          <a:ln>
+            <a:noFill/>
+          </a:ln>
+        </p:spPr>
+        <p:txBody>
+          <a:bodyPr spcFirstLastPara="1" wrap="square" lIns="91425" tIns="45700" rIns="91425" bIns="45700" anchor="t" anchorCtr="0">
+            <a:normAutofit/>
+          </a:bodyPr>
+          <a:lstStyle/>
+          <a:p>
+            <a:pPr marL="571500"/>
+            <a:r>
+              <a:rPr lang="pl-PL" sz="2100" dirty="0">
+                <a:latin typeface="Poppins"/>
+                <a:ea typeface="Poppins"/>
+                <a:cs typeface="Poppins"/>
+                <a:sym typeface="Poppins"/>
+              </a:rPr>
+              <a:t>Błędy krytyczne w aplikacji</a:t>
+            </a:r>
+          </a:p>
+          <a:p>
+            <a:pPr marL="571500"/>
+            <a:r>
+              <a:rPr lang="pl-PL" sz="2100" dirty="0">
+                <a:latin typeface="Poppins"/>
+                <a:ea typeface="Poppins"/>
+                <a:cs typeface="Poppins"/>
+                <a:sym typeface="Poppins"/>
+              </a:rPr>
+              <a:t>Czy aplikacja nadaje się do wydania na produkcję</a:t>
+            </a:r>
+          </a:p>
+          <a:p>
+            <a:pPr marL="571500"/>
+            <a:r>
+              <a:rPr lang="pl-PL" sz="2100" dirty="0">
+                <a:latin typeface="Poppins"/>
+                <a:ea typeface="Poppins"/>
+                <a:cs typeface="Poppins"/>
+                <a:sym typeface="Poppins"/>
+              </a:rPr>
+              <a:t>Dalsze testy aplikacji</a:t>
+            </a:r>
+            <a:endParaRPr lang="en-US" sz="2100" dirty="0">
+              <a:latin typeface="Poppins"/>
+              <a:ea typeface="Poppins"/>
+              <a:cs typeface="Poppins"/>
+              <a:sym typeface="Poppins"/>
+            </a:endParaRPr>
+          </a:p>
+        </p:txBody>
+      </p:sp>
+      <p:pic>
+        <p:nvPicPr>
+          <p:cNvPr id="3" name="Picture 2">
+            <a:extLst>
+              <a:ext uri="{FF2B5EF4-FFF2-40B4-BE49-F238E27FC236}">
+                <a16:creationId xmlns:a16="http://schemas.microsoft.com/office/drawing/2014/main" id="{BDCF1FF1-2A20-47FA-858F-8A085B1F3B3B}"/>
+              </a:ext>
+            </a:extLst>
+          </p:cNvPr>
+          <p:cNvPicPr>
+            <a:picLocks noChangeAspect="1"/>
+          </p:cNvPicPr>
+          <p:nvPr/>
+        </p:nvPicPr>
+        <p:blipFill>
+          <a:blip r:embed="rId3"/>
+          <a:stretch>
+            <a:fillRect/>
+          </a:stretch>
+        </p:blipFill>
+        <p:spPr>
+          <a:xfrm>
+            <a:off x="4495177" y="689827"/>
+            <a:ext cx="7026574" cy="5478346"/>
+          </a:xfrm>
+          <a:prstGeom prst="rect">
+            <a:avLst/>
+          </a:prstGeom>
+        </p:spPr>
+      </p:pic>
+    </p:spTree>
+    <p:extLst>
+      <p:ext uri="{BB962C8B-B14F-4D97-AF65-F5344CB8AC3E}">
+        <p14:creationId xmlns:p14="http://schemas.microsoft.com/office/powerpoint/2010/main" val="2916897301"/>
+      </p:ext>
+    </p:extLst>
+  </p:cSld>
+  <p:clrMapOvr>
+    <a:masterClrMapping/>
+  </p:clrMapOvr>
+</p:sld>
+</file>
+
+<file path=ppt/slides/slide14.xml><?xml version="1.0" encoding="utf-8"?>
+<p:sld xmlns:a="http://schemas.openxmlformats.org/drawingml/2006/main" xmlns:r="http://schemas.openxmlformats.org/officeDocument/2006/relationships" xmlns:p="http://schemas.openxmlformats.org/presentationml/2006/main">
+  <p:cSld>
+    <p:spTree>
+      <p:nvGrpSpPr>
+        <p:cNvPr id="1" name="Shape 117"/>
+        <p:cNvGrpSpPr/>
+        <p:nvPr/>
+      </p:nvGrpSpPr>
+      <p:grpSpPr>
+        <a:xfrm>
+          <a:off x="0" y="0"/>
+          <a:ext cx="0" cy="0"/>
+          <a:chOff x="0" y="0"/>
+          <a:chExt cx="0" cy="0"/>
+        </a:xfrm>
+      </p:grpSpPr>
+      <p:sp>
+        <p:nvSpPr>
+          <p:cNvPr id="118" name="Google Shape;118;p9"/>
+          <p:cNvSpPr txBox="1">
+            <a:spLocks noGrp="1"/>
+          </p:cNvSpPr>
+          <p:nvPr>
+            <p:ph type="title"/>
+          </p:nvPr>
+        </p:nvSpPr>
+        <p:spPr>
+          <a:xfrm>
+            <a:off x="1117089" y="2642854"/>
+            <a:ext cx="9957822" cy="1325563"/>
+          </a:xfrm>
+          <a:prstGeom prst="rect">
+            <a:avLst/>
+          </a:prstGeom>
+          <a:noFill/>
+          <a:ln>
+            <a:noFill/>
+          </a:ln>
+        </p:spPr>
+        <p:txBody>
+          <a:bodyPr spcFirstLastPara="1" wrap="square" lIns="91425" tIns="45700" rIns="91425" bIns="45700" anchor="ctr" anchorCtr="0">
+            <a:normAutofit/>
+          </a:bodyPr>
+          <a:lstStyle/>
+          <a:p>
+            <a:pPr marL="0" lvl="0" indent="0" algn="ctr" rtl="0">
+              <a:lnSpc>
+                <a:spcPct val="90000"/>
+              </a:lnSpc>
+              <a:spcBef>
+                <a:spcPts val="0"/>
+              </a:spcBef>
+              <a:spcAft>
+                <a:spcPts val="0"/>
+              </a:spcAft>
+              <a:buSzPts val="1800"/>
+              <a:buNone/>
+            </a:pPr>
+            <a:r>
+              <a:rPr lang="pl-PL" sz="3500" dirty="0">
+                <a:latin typeface="Poppins"/>
+                <a:ea typeface="Poppins"/>
+                <a:cs typeface="Poppins"/>
+                <a:sym typeface="Poppins"/>
+              </a:rPr>
+              <a:t>Dziękuję za uwagę</a:t>
+            </a:r>
+            <a:endParaRPr sz="3500" dirty="0">
+              <a:latin typeface="Poppins"/>
+              <a:ea typeface="Poppins"/>
+              <a:cs typeface="Poppins"/>
+              <a:sym typeface="Poppins"/>
+            </a:endParaRPr>
+          </a:p>
+        </p:txBody>
+      </p:sp>
+    </p:spTree>
+    <p:extLst>
+      <p:ext uri="{BB962C8B-B14F-4D97-AF65-F5344CB8AC3E}">
+        <p14:creationId xmlns:p14="http://schemas.microsoft.com/office/powerpoint/2010/main" val="2021104700"/>
       </p:ext>
     </p:extLst>
   </p:cSld>
